--- a/Taxa Rotatividade Telecomunicação.pptx
+++ b/Taxa Rotatividade Telecomunicação.pptx
@@ -5,7 +5,7 @@
     <p:sldMasterId id="2147483659" r:id="rId1"/>
   </p:sldMasterIdLst>
   <p:notesMasterIdLst>
-    <p:notesMasterId r:id="rId18"/>
+    <p:notesMasterId r:id="rId23"/>
   </p:notesMasterIdLst>
   <p:sldIdLst>
     <p:sldId id="256" r:id="rId2"/>
@@ -16,38 +16,43 @@
     <p:sldId id="260" r:id="rId7"/>
     <p:sldId id="261" r:id="rId8"/>
     <p:sldId id="269" r:id="rId9"/>
-    <p:sldId id="262" r:id="rId10"/>
-    <p:sldId id="270" r:id="rId11"/>
-    <p:sldId id="263" r:id="rId12"/>
-    <p:sldId id="264" r:id="rId13"/>
-    <p:sldId id="265" r:id="rId14"/>
-    <p:sldId id="266" r:id="rId15"/>
-    <p:sldId id="267" r:id="rId16"/>
-    <p:sldId id="268" r:id="rId17"/>
+    <p:sldId id="274" r:id="rId10"/>
+    <p:sldId id="275" r:id="rId11"/>
+    <p:sldId id="276" r:id="rId12"/>
+    <p:sldId id="272" r:id="rId13"/>
+    <p:sldId id="262" r:id="rId14"/>
+    <p:sldId id="270" r:id="rId15"/>
+    <p:sldId id="273" r:id="rId16"/>
+    <p:sldId id="263" r:id="rId17"/>
+    <p:sldId id="264" r:id="rId18"/>
+    <p:sldId id="265" r:id="rId19"/>
+    <p:sldId id="266" r:id="rId20"/>
+    <p:sldId id="267" r:id="rId21"/>
+    <p:sldId id="268" r:id="rId22"/>
   </p:sldIdLst>
   <p:sldSz cx="9144000" cy="5143500" type="screen16x9"/>
   <p:notesSz cx="6858000" cy="9144000"/>
   <p:embeddedFontLst>
     <p:embeddedFont>
       <p:font typeface="Calibri" panose="020F0502020204030204" pitchFamily="34" charset="0"/>
-      <p:regular r:id="rId19"/>
-      <p:bold r:id="rId20"/>
-      <p:italic r:id="rId21"/>
-      <p:boldItalic r:id="rId22"/>
+      <p:regular r:id="rId24"/>
+      <p:bold r:id="rId25"/>
+      <p:italic r:id="rId26"/>
+      <p:boldItalic r:id="rId27"/>
     </p:embeddedFont>
     <p:embeddedFont>
       <p:font typeface="Roboto" panose="02000000000000000000" pitchFamily="2" charset="0"/>
-      <p:regular r:id="rId23"/>
-      <p:bold r:id="rId24"/>
-      <p:italic r:id="rId25"/>
-      <p:boldItalic r:id="rId26"/>
+      <p:regular r:id="rId28"/>
+      <p:bold r:id="rId29"/>
+      <p:italic r:id="rId30"/>
+      <p:boldItalic r:id="rId31"/>
     </p:embeddedFont>
     <p:embeddedFont>
       <p:font typeface="Segoe UI" panose="020B0502040204020203" pitchFamily="34" charset="0"/>
-      <p:regular r:id="rId27"/>
-      <p:bold r:id="rId28"/>
-      <p:italic r:id="rId29"/>
-      <p:boldItalic r:id="rId30"/>
+      <p:regular r:id="rId32"/>
+      <p:bold r:id="rId33"/>
+      <p:italic r:id="rId34"/>
+      <p:boldItalic r:id="rId35"/>
     </p:embeddedFont>
   </p:embeddedFontLst>
   <p:defaultTextStyle>
@@ -853,6 +858,323 @@
   <p:cSld>
     <p:spTree>
       <p:nvGrpSpPr>
+        <p:cNvPr id="1" name="Shape 119"/>
+        <p:cNvGrpSpPr/>
+        <p:nvPr/>
+      </p:nvGrpSpPr>
+      <p:grpSpPr>
+        <a:xfrm>
+          <a:off x="0" y="0"/>
+          <a:ext cx="0" cy="0"/>
+          <a:chOff x="0" y="0"/>
+          <a:chExt cx="0" cy="0"/>
+        </a:xfrm>
+      </p:grpSpPr>
+      <p:sp>
+        <p:nvSpPr>
+          <p:cNvPr id="120" name="Google Shape;120;g15b18eba9af_0_30:notes"/>
+          <p:cNvSpPr>
+            <a:spLocks noGrp="1" noRot="1" noChangeAspect="1"/>
+          </p:cNvSpPr>
+          <p:nvPr>
+            <p:ph type="sldImg" idx="2"/>
+          </p:nvPr>
+        </p:nvSpPr>
+        <p:spPr>
+          <a:xfrm>
+            <a:off x="381000" y="685800"/>
+            <a:ext cx="6096000" cy="3429000"/>
+          </a:xfrm>
+          <a:custGeom>
+            <a:avLst/>
+            <a:gdLst/>
+            <a:ahLst/>
+            <a:cxnLst/>
+            <a:rect l="l" t="t" r="r" b="b"/>
+            <a:pathLst>
+              <a:path w="120000" h="120000" extrusionOk="0">
+                <a:moveTo>
+                  <a:pt x="0" y="0"/>
+                </a:moveTo>
+                <a:lnTo>
+                  <a:pt x="120000" y="0"/>
+                </a:lnTo>
+                <a:lnTo>
+                  <a:pt x="120000" y="120000"/>
+                </a:lnTo>
+                <a:lnTo>
+                  <a:pt x="0" y="120000"/>
+                </a:lnTo>
+                <a:close/>
+              </a:path>
+            </a:pathLst>
+          </a:custGeom>
+        </p:spPr>
+      </p:sp>
+      <p:sp>
+        <p:nvSpPr>
+          <p:cNvPr id="121" name="Google Shape;121;g15b18eba9af_0_30:notes"/>
+          <p:cNvSpPr txBox="1">
+            <a:spLocks noGrp="1"/>
+          </p:cNvSpPr>
+          <p:nvPr>
+            <p:ph type="body" idx="1"/>
+          </p:nvPr>
+        </p:nvSpPr>
+        <p:spPr>
+          <a:xfrm>
+            <a:off x="685800" y="4343400"/>
+            <a:ext cx="5486400" cy="4114800"/>
+          </a:xfrm>
+          <a:prstGeom prst="rect">
+            <a:avLst/>
+          </a:prstGeom>
+        </p:spPr>
+        <p:txBody>
+          <a:bodyPr spcFirstLastPara="1" wrap="square" lIns="91425" tIns="91425" rIns="91425" bIns="91425" anchor="t" anchorCtr="0">
+            <a:noAutofit/>
+          </a:bodyPr>
+          <a:lstStyle/>
+          <a:p>
+            <a:pPr marL="0" lvl="0" indent="0" algn="l" rtl="0">
+              <a:spcBef>
+                <a:spcPts val="0"/>
+              </a:spcBef>
+              <a:spcAft>
+                <a:spcPts val="0"/>
+              </a:spcAft>
+              <a:buNone/>
+            </a:pPr>
+            <a:endParaRPr/>
+          </a:p>
+        </p:txBody>
+      </p:sp>
+    </p:spTree>
+  </p:cSld>
+  <p:clrMapOvr>
+    <a:masterClrMapping/>
+  </p:clrMapOvr>
+</p:notes>
+</file>
+
+<file path=ppt/notesSlides/notesSlide11.xml><?xml version="1.0" encoding="utf-8"?>
+<p:notes xmlns:a="http://schemas.openxmlformats.org/drawingml/2006/main" xmlns:r="http://schemas.openxmlformats.org/officeDocument/2006/relationships" xmlns:p="http://schemas.openxmlformats.org/presentationml/2006/main" showMasterSp="0" showMasterPhAnim="0">
+  <p:cSld>
+    <p:spTree>
+      <p:nvGrpSpPr>
+        <p:cNvPr id="1" name="Shape 119"/>
+        <p:cNvGrpSpPr/>
+        <p:nvPr/>
+      </p:nvGrpSpPr>
+      <p:grpSpPr>
+        <a:xfrm>
+          <a:off x="0" y="0"/>
+          <a:ext cx="0" cy="0"/>
+          <a:chOff x="0" y="0"/>
+          <a:chExt cx="0" cy="0"/>
+        </a:xfrm>
+      </p:grpSpPr>
+      <p:sp>
+        <p:nvSpPr>
+          <p:cNvPr id="120" name="Google Shape;120;g15b18eba9af_0_30:notes"/>
+          <p:cNvSpPr>
+            <a:spLocks noGrp="1" noRot="1" noChangeAspect="1"/>
+          </p:cNvSpPr>
+          <p:nvPr>
+            <p:ph type="sldImg" idx="2"/>
+          </p:nvPr>
+        </p:nvSpPr>
+        <p:spPr>
+          <a:xfrm>
+            <a:off x="381000" y="685800"/>
+            <a:ext cx="6096000" cy="3429000"/>
+          </a:xfrm>
+          <a:custGeom>
+            <a:avLst/>
+            <a:gdLst/>
+            <a:ahLst/>
+            <a:cxnLst/>
+            <a:rect l="l" t="t" r="r" b="b"/>
+            <a:pathLst>
+              <a:path w="120000" h="120000" extrusionOk="0">
+                <a:moveTo>
+                  <a:pt x="0" y="0"/>
+                </a:moveTo>
+                <a:lnTo>
+                  <a:pt x="120000" y="0"/>
+                </a:lnTo>
+                <a:lnTo>
+                  <a:pt x="120000" y="120000"/>
+                </a:lnTo>
+                <a:lnTo>
+                  <a:pt x="0" y="120000"/>
+                </a:lnTo>
+                <a:close/>
+              </a:path>
+            </a:pathLst>
+          </a:custGeom>
+        </p:spPr>
+      </p:sp>
+      <p:sp>
+        <p:nvSpPr>
+          <p:cNvPr id="121" name="Google Shape;121;g15b18eba9af_0_30:notes"/>
+          <p:cNvSpPr txBox="1">
+            <a:spLocks noGrp="1"/>
+          </p:cNvSpPr>
+          <p:nvPr>
+            <p:ph type="body" idx="1"/>
+          </p:nvPr>
+        </p:nvSpPr>
+        <p:spPr>
+          <a:xfrm>
+            <a:off x="685800" y="4343400"/>
+            <a:ext cx="5486400" cy="4114800"/>
+          </a:xfrm>
+          <a:prstGeom prst="rect">
+            <a:avLst/>
+          </a:prstGeom>
+        </p:spPr>
+        <p:txBody>
+          <a:bodyPr spcFirstLastPara="1" wrap="square" lIns="91425" tIns="91425" rIns="91425" bIns="91425" anchor="t" anchorCtr="0">
+            <a:noAutofit/>
+          </a:bodyPr>
+          <a:lstStyle/>
+          <a:p>
+            <a:pPr marL="0" lvl="0" indent="0" algn="l" rtl="0">
+              <a:spcBef>
+                <a:spcPts val="0"/>
+              </a:spcBef>
+              <a:spcAft>
+                <a:spcPts val="0"/>
+              </a:spcAft>
+              <a:buNone/>
+            </a:pPr>
+            <a:endParaRPr/>
+          </a:p>
+        </p:txBody>
+      </p:sp>
+    </p:spTree>
+    <p:extLst>
+      <p:ext uri="{BB962C8B-B14F-4D97-AF65-F5344CB8AC3E}">
+        <p14:creationId xmlns:p14="http://schemas.microsoft.com/office/powerpoint/2010/main" val="4260001119"/>
+      </p:ext>
+    </p:extLst>
+  </p:cSld>
+  <p:clrMapOvr>
+    <a:masterClrMapping/>
+  </p:clrMapOvr>
+</p:notes>
+</file>
+
+<file path=ppt/notesSlides/notesSlide12.xml><?xml version="1.0" encoding="utf-8"?>
+<p:notes xmlns:a="http://schemas.openxmlformats.org/drawingml/2006/main" xmlns:r="http://schemas.openxmlformats.org/officeDocument/2006/relationships" xmlns:p="http://schemas.openxmlformats.org/presentationml/2006/main" showMasterSp="0" showMasterPhAnim="0">
+  <p:cSld>
+    <p:spTree>
+      <p:nvGrpSpPr>
+        <p:cNvPr id="1" name="Shape 125"/>
+        <p:cNvGrpSpPr/>
+        <p:nvPr/>
+      </p:nvGrpSpPr>
+      <p:grpSpPr>
+        <a:xfrm>
+          <a:off x="0" y="0"/>
+          <a:ext cx="0" cy="0"/>
+          <a:chOff x="0" y="0"/>
+          <a:chExt cx="0" cy="0"/>
+        </a:xfrm>
+      </p:grpSpPr>
+      <p:sp>
+        <p:nvSpPr>
+          <p:cNvPr id="126" name="Google Shape;126;g15b18eba9af_0_35:notes"/>
+          <p:cNvSpPr>
+            <a:spLocks noGrp="1" noRot="1" noChangeAspect="1"/>
+          </p:cNvSpPr>
+          <p:nvPr>
+            <p:ph type="sldImg" idx="2"/>
+          </p:nvPr>
+        </p:nvSpPr>
+        <p:spPr>
+          <a:xfrm>
+            <a:off x="381000" y="685800"/>
+            <a:ext cx="6096000" cy="3429000"/>
+          </a:xfrm>
+          <a:custGeom>
+            <a:avLst/>
+            <a:gdLst/>
+            <a:ahLst/>
+            <a:cxnLst/>
+            <a:rect l="l" t="t" r="r" b="b"/>
+            <a:pathLst>
+              <a:path w="120000" h="120000" extrusionOk="0">
+                <a:moveTo>
+                  <a:pt x="0" y="0"/>
+                </a:moveTo>
+                <a:lnTo>
+                  <a:pt x="120000" y="0"/>
+                </a:lnTo>
+                <a:lnTo>
+                  <a:pt x="120000" y="120000"/>
+                </a:lnTo>
+                <a:lnTo>
+                  <a:pt x="0" y="120000"/>
+                </a:lnTo>
+                <a:close/>
+              </a:path>
+            </a:pathLst>
+          </a:custGeom>
+        </p:spPr>
+      </p:sp>
+      <p:sp>
+        <p:nvSpPr>
+          <p:cNvPr id="127" name="Google Shape;127;g15b18eba9af_0_35:notes"/>
+          <p:cNvSpPr txBox="1">
+            <a:spLocks noGrp="1"/>
+          </p:cNvSpPr>
+          <p:nvPr>
+            <p:ph type="body" idx="1"/>
+          </p:nvPr>
+        </p:nvSpPr>
+        <p:spPr>
+          <a:xfrm>
+            <a:off x="685800" y="4343400"/>
+            <a:ext cx="5486400" cy="4114800"/>
+          </a:xfrm>
+          <a:prstGeom prst="rect">
+            <a:avLst/>
+          </a:prstGeom>
+        </p:spPr>
+        <p:txBody>
+          <a:bodyPr spcFirstLastPara="1" wrap="square" lIns="91425" tIns="91425" rIns="91425" bIns="91425" anchor="t" anchorCtr="0">
+            <a:noAutofit/>
+          </a:bodyPr>
+          <a:lstStyle/>
+          <a:p>
+            <a:pPr marL="0" lvl="0" indent="0" algn="l" rtl="0">
+              <a:spcBef>
+                <a:spcPts val="0"/>
+              </a:spcBef>
+              <a:spcAft>
+                <a:spcPts val="0"/>
+              </a:spcAft>
+              <a:buNone/>
+            </a:pPr>
+            <a:endParaRPr/>
+          </a:p>
+        </p:txBody>
+      </p:sp>
+    </p:spTree>
+  </p:cSld>
+  <p:clrMapOvr>
+    <a:masterClrMapping/>
+  </p:clrMapOvr>
+</p:notes>
+</file>
+
+<file path=ppt/notesSlides/notesSlide13.xml><?xml version="1.0" encoding="utf-8"?>
+<p:notes xmlns:a="http://schemas.openxmlformats.org/drawingml/2006/main" xmlns:r="http://schemas.openxmlformats.org/officeDocument/2006/relationships" xmlns:p="http://schemas.openxmlformats.org/presentationml/2006/main" showMasterSp="0" showMasterPhAnim="0">
+  <p:cSld>
+    <p:spTree>
+      <p:nvGrpSpPr>
         <p:cNvPr id="1" name="Shape 131"/>
         <p:cNvGrpSpPr/>
         <p:nvPr/>
@@ -952,7 +1274,7 @@
 </p:notes>
 </file>
 
-<file path=ppt/notesSlides/notesSlide11.xml><?xml version="1.0" encoding="utf-8"?>
+<file path=ppt/notesSlides/notesSlide14.xml><?xml version="1.0" encoding="utf-8"?>
 <p:notes xmlns:a="http://schemas.openxmlformats.org/drawingml/2006/main" xmlns:r="http://schemas.openxmlformats.org/officeDocument/2006/relationships" xmlns:p="http://schemas.openxmlformats.org/presentationml/2006/main" showMasterSp="0" showMasterPhAnim="0">
   <p:cSld>
     <p:spTree>
@@ -1056,7 +1378,7 @@
 </p:notes>
 </file>
 
-<file path=ppt/notesSlides/notesSlide12.xml><?xml version="1.0" encoding="utf-8"?>
+<file path=ppt/notesSlides/notesSlide15.xml><?xml version="1.0" encoding="utf-8"?>
 <p:notes xmlns:a="http://schemas.openxmlformats.org/drawingml/2006/main" xmlns:r="http://schemas.openxmlformats.org/officeDocument/2006/relationships" xmlns:p="http://schemas.openxmlformats.org/presentationml/2006/main" showMasterSp="0" showMasterPhAnim="0">
   <p:cSld>
     <p:spTree>
@@ -1160,7 +1482,7 @@
 </p:notes>
 </file>
 
-<file path=ppt/notesSlides/notesSlide13.xml><?xml version="1.0" encoding="utf-8"?>
+<file path=ppt/notesSlides/notesSlide16.xml><?xml version="1.0" encoding="utf-8"?>
 <p:notes xmlns:a="http://schemas.openxmlformats.org/drawingml/2006/main" xmlns:r="http://schemas.openxmlformats.org/officeDocument/2006/relationships" xmlns:p="http://schemas.openxmlformats.org/presentationml/2006/main" showMasterSp="0" showMasterPhAnim="0">
   <p:cSld>
     <p:spTree>
@@ -1264,7 +1586,7 @@
 </p:notes>
 </file>
 
-<file path=ppt/notesSlides/notesSlide14.xml><?xml version="1.0" encoding="utf-8"?>
+<file path=ppt/notesSlides/notesSlide17.xml><?xml version="1.0" encoding="utf-8"?>
 <p:notes xmlns:a="http://schemas.openxmlformats.org/drawingml/2006/main" xmlns:r="http://schemas.openxmlformats.org/officeDocument/2006/relationships" xmlns:p="http://schemas.openxmlformats.org/presentationml/2006/main" showMasterSp="0" showMasterPhAnim="0">
   <p:cSld>
     <p:spTree>
@@ -2094,6 +2416,11 @@
         </p:txBody>
       </p:sp>
     </p:spTree>
+    <p:extLst>
+      <p:ext uri="{BB962C8B-B14F-4D97-AF65-F5344CB8AC3E}">
+        <p14:creationId xmlns:p14="http://schemas.microsoft.com/office/powerpoint/2010/main" val="2187077970"/>
+      </p:ext>
+    </p:extLst>
   </p:cSld>
   <p:clrMapOvr>
     <a:masterClrMapping/>
@@ -2106,7 +2433,7 @@
   <p:cSld>
     <p:spTree>
       <p:nvGrpSpPr>
-        <p:cNvPr id="1" name="Shape 125"/>
+        <p:cNvPr id="1" name="Shape 119"/>
         <p:cNvGrpSpPr/>
         <p:nvPr/>
       </p:nvGrpSpPr>
@@ -2120,7 +2447,7 @@
       </p:grpSpPr>
       <p:sp>
         <p:nvSpPr>
-          <p:cNvPr id="126" name="Google Shape;126;g15b18eba9af_0_35:notes"/>
+          <p:cNvPr id="120" name="Google Shape;120;g15b18eba9af_0_30:notes"/>
           <p:cNvSpPr>
             <a:spLocks noGrp="1" noRot="1" noChangeAspect="1"/>
           </p:cNvSpPr>
@@ -2161,7 +2488,7 @@
       </p:sp>
       <p:sp>
         <p:nvSpPr>
-          <p:cNvPr id="127" name="Google Shape;127;g15b18eba9af_0_35:notes"/>
+          <p:cNvPr id="121" name="Google Shape;121;g15b18eba9af_0_30:notes"/>
           <p:cNvSpPr txBox="1">
             <a:spLocks noGrp="1"/>
           </p:cNvSpPr>
@@ -2198,6 +2525,11 @@
         </p:txBody>
       </p:sp>
     </p:spTree>
+    <p:extLst>
+      <p:ext uri="{BB962C8B-B14F-4D97-AF65-F5344CB8AC3E}">
+        <p14:creationId xmlns:p14="http://schemas.microsoft.com/office/powerpoint/2010/main" val="4293623513"/>
+      </p:ext>
+    </p:extLst>
   </p:cSld>
   <p:clrMapOvr>
     <a:masterClrMapping/>
@@ -8952,6 +9284,622 @@
             <p:ph type="title"/>
           </p:nvPr>
         </p:nvSpPr>
+        <p:spPr>
+          <a:xfrm>
+            <a:off x="349800" y="206800"/>
+            <a:ext cx="8520600" cy="607800"/>
+          </a:xfrm>
+        </p:spPr>
+        <p:txBody>
+          <a:bodyPr>
+            <a:normAutofit fontScale="90000"/>
+          </a:bodyPr>
+          <a:lstStyle/>
+          <a:p>
+            <a:r>
+              <a:rPr lang="pt-BR" dirty="0"/>
+              <a:t>Análise Macro</a:t>
+            </a:r>
+          </a:p>
+        </p:txBody>
+      </p:sp>
+      <p:sp>
+        <p:nvSpPr>
+          <p:cNvPr id="3" name="Google Shape;130;p20">
+            <a:extLst>
+              <a:ext uri="{FF2B5EF4-FFF2-40B4-BE49-F238E27FC236}">
+                <a16:creationId xmlns:a16="http://schemas.microsoft.com/office/drawing/2014/main" id="{EE2AB964-93D9-00D5-A50B-E580EB61DD91}"/>
+              </a:ext>
+            </a:extLst>
+          </p:cNvPr>
+          <p:cNvSpPr txBox="1">
+            <a:spLocks noGrp="1"/>
+          </p:cNvSpPr>
+          <p:nvPr>
+            <p:ph type="body" idx="1"/>
+          </p:nvPr>
+        </p:nvSpPr>
+        <p:spPr>
+          <a:xfrm>
+            <a:off x="349800" y="814601"/>
+            <a:ext cx="8621018" cy="1757150"/>
+          </a:xfrm>
+          <a:prstGeom prst="rect">
+            <a:avLst/>
+          </a:prstGeom>
+        </p:spPr>
+        <p:txBody>
+          <a:bodyPr spcFirstLastPara="1" wrap="square" lIns="91425" tIns="91425" rIns="91425" bIns="91425" anchor="t" anchorCtr="0">
+            <a:normAutofit/>
+          </a:bodyPr>
+          <a:lstStyle/>
+          <a:p>
+            <a:pPr marL="285750" lvl="0" indent="-285750" algn="just">
+              <a:spcAft>
+                <a:spcPts val="1200"/>
+              </a:spcAft>
+              <a:buFont typeface="Arial" panose="020B0604020202020204" pitchFamily="34" charset="0"/>
+              <a:buChar char="•"/>
+            </a:pPr>
+            <a:r>
+              <a:rPr lang="pt-BR" sz="1050" dirty="0">
+                <a:solidFill>
+                  <a:schemeClr val="bg2"/>
+                </a:solidFill>
+                <a:latin typeface="+mn-lt"/>
+              </a:rPr>
+              <a:t>O </a:t>
+            </a:r>
+            <a:r>
+              <a:rPr lang="pt-BR" sz="1050" dirty="0" err="1">
+                <a:solidFill>
+                  <a:schemeClr val="bg2"/>
+                </a:solidFill>
+                <a:latin typeface="+mn-lt"/>
+              </a:rPr>
+              <a:t>dataset</a:t>
+            </a:r>
+            <a:r>
+              <a:rPr lang="pt-BR" sz="1050" dirty="0">
+                <a:solidFill>
+                  <a:schemeClr val="bg2"/>
+                </a:solidFill>
+                <a:latin typeface="+mn-lt"/>
+              </a:rPr>
+              <a:t> contém:</a:t>
+            </a:r>
+          </a:p>
+          <a:p>
+            <a:pPr marL="540000" lvl="0" indent="-285750" algn="just">
+              <a:spcAft>
+                <a:spcPts val="600"/>
+              </a:spcAft>
+              <a:buSzPct val="100000"/>
+              <a:buFont typeface="+mj-lt"/>
+              <a:buAutoNum type="romanUcPeriod"/>
+            </a:pPr>
+            <a:r>
+              <a:rPr lang="pt-BR" sz="900" dirty="0">
+                <a:solidFill>
+                  <a:schemeClr val="bg2"/>
+                </a:solidFill>
+                <a:latin typeface="+mn-lt"/>
+              </a:rPr>
+              <a:t>155 variáveis numéricas;</a:t>
+            </a:r>
+          </a:p>
+          <a:p>
+            <a:pPr marL="540000" lvl="0" indent="-285750" algn="just">
+              <a:spcAft>
+                <a:spcPts val="600"/>
+              </a:spcAft>
+              <a:buSzPct val="100000"/>
+              <a:buFont typeface="+mj-lt"/>
+              <a:buAutoNum type="romanUcPeriod"/>
+            </a:pPr>
+            <a:r>
+              <a:rPr lang="pt-BR" sz="900" dirty="0">
+                <a:solidFill>
+                  <a:schemeClr val="bg2"/>
+                </a:solidFill>
+                <a:latin typeface="+mn-lt"/>
+              </a:rPr>
+              <a:t>6 variáveis categóricas;</a:t>
+            </a:r>
+          </a:p>
+          <a:p>
+            <a:pPr marL="540000" lvl="0" indent="-285750" algn="just">
+              <a:spcAft>
+                <a:spcPts val="600"/>
+              </a:spcAft>
+              <a:buSzPct val="100000"/>
+              <a:buFont typeface="+mj-lt"/>
+              <a:buAutoNum type="romanUcPeriod"/>
+            </a:pPr>
+            <a:r>
+              <a:rPr lang="pt-BR" sz="900" dirty="0">
+                <a:solidFill>
+                  <a:schemeClr val="bg2"/>
+                </a:solidFill>
+                <a:latin typeface="+mn-lt"/>
+              </a:rPr>
+              <a:t>9 variáveis de data;</a:t>
+            </a:r>
+          </a:p>
+          <a:p>
+            <a:pPr marL="285750" lvl="0" indent="-285750" algn="just">
+              <a:spcAft>
+                <a:spcPts val="1200"/>
+              </a:spcAft>
+              <a:buFont typeface="Arial" panose="020B0604020202020204" pitchFamily="34" charset="0"/>
+              <a:buChar char="•"/>
+            </a:pPr>
+            <a:r>
+              <a:rPr lang="pt-BR" sz="1050" dirty="0">
+                <a:solidFill>
+                  <a:schemeClr val="bg2"/>
+                </a:solidFill>
+                <a:latin typeface="+mn-lt"/>
+              </a:rPr>
+              <a:t>Analisando a base de dados de forma geral, notamos que 10% dos clientes cancelaram o serviço. Então, existe um desbalanceamento em relação a variável target.</a:t>
+            </a:r>
+          </a:p>
+          <a:p>
+            <a:pPr marL="171450" lvl="0" indent="-171450" algn="just">
+              <a:spcAft>
+                <a:spcPts val="1200"/>
+              </a:spcAft>
+              <a:buFont typeface="Arial" panose="020B0604020202020204" pitchFamily="34" charset="0"/>
+              <a:buChar char="•"/>
+            </a:pPr>
+            <a:endParaRPr lang="pt-BR" sz="1200" dirty="0">
+              <a:solidFill>
+                <a:schemeClr val="bg2"/>
+              </a:solidFill>
+              <a:latin typeface="+mn-lt"/>
+            </a:endParaRPr>
+          </a:p>
+          <a:p>
+            <a:pPr marL="171450" lvl="0" indent="-171450" algn="just">
+              <a:spcAft>
+                <a:spcPts val="1200"/>
+              </a:spcAft>
+              <a:buFont typeface="Arial" panose="020B0604020202020204" pitchFamily="34" charset="0"/>
+              <a:buChar char="•"/>
+            </a:pPr>
+            <a:endParaRPr sz="1200" dirty="0">
+              <a:solidFill>
+                <a:schemeClr val="bg2"/>
+              </a:solidFill>
+              <a:latin typeface="+mn-lt"/>
+            </a:endParaRPr>
+          </a:p>
+        </p:txBody>
+      </p:sp>
+      <p:pic>
+        <p:nvPicPr>
+          <p:cNvPr id="4" name="Imagem 3">
+            <a:extLst>
+              <a:ext uri="{FF2B5EF4-FFF2-40B4-BE49-F238E27FC236}">
+                <a16:creationId xmlns:a16="http://schemas.microsoft.com/office/drawing/2014/main" id="{3F53E514-E662-4C8D-32A9-A7FDF4FDC915}"/>
+              </a:ext>
+            </a:extLst>
+          </p:cNvPr>
+          <p:cNvPicPr>
+            <a:picLocks noChangeAspect="1"/>
+          </p:cNvPicPr>
+          <p:nvPr/>
+        </p:nvPicPr>
+        <p:blipFill>
+          <a:blip r:embed="rId2"/>
+          <a:stretch>
+            <a:fillRect/>
+          </a:stretch>
+        </p:blipFill>
+        <p:spPr>
+          <a:xfrm>
+            <a:off x="3204648" y="2571750"/>
+            <a:ext cx="2226334" cy="2004588"/>
+          </a:xfrm>
+          <a:prstGeom prst="rect">
+            <a:avLst/>
+          </a:prstGeom>
+        </p:spPr>
+      </p:pic>
+    </p:spTree>
+    <p:extLst>
+      <p:ext uri="{BB962C8B-B14F-4D97-AF65-F5344CB8AC3E}">
+        <p14:creationId xmlns:p14="http://schemas.microsoft.com/office/powerpoint/2010/main" val="1597245736"/>
+      </p:ext>
+    </p:extLst>
+  </p:cSld>
+  <p:clrMapOvr>
+    <a:masterClrMapping/>
+  </p:clrMapOvr>
+</p:sld>
+</file>
+
+<file path=ppt/slides/slide11.xml><?xml version="1.0" encoding="utf-8"?>
+<p:sld xmlns:a="http://schemas.openxmlformats.org/drawingml/2006/main" xmlns:r="http://schemas.openxmlformats.org/officeDocument/2006/relationships" xmlns:p="http://schemas.openxmlformats.org/presentationml/2006/main">
+  <p:cSld>
+    <p:spTree>
+      <p:nvGrpSpPr>
+        <p:cNvPr id="1" name="Shape 122"/>
+        <p:cNvGrpSpPr/>
+        <p:nvPr/>
+      </p:nvGrpSpPr>
+      <p:grpSpPr>
+        <a:xfrm>
+          <a:off x="0" y="0"/>
+          <a:ext cx="0" cy="0"/>
+          <a:chOff x="0" y="0"/>
+          <a:chExt cx="0" cy="0"/>
+        </a:xfrm>
+      </p:grpSpPr>
+      <p:sp>
+        <p:nvSpPr>
+          <p:cNvPr id="123" name="Google Shape;123;p19"/>
+          <p:cNvSpPr txBox="1">
+            <a:spLocks noGrp="1"/>
+          </p:cNvSpPr>
+          <p:nvPr>
+            <p:ph type="ctrTitle"/>
+          </p:nvPr>
+        </p:nvSpPr>
+        <p:spPr>
+          <a:xfrm>
+            <a:off x="598100" y="1775222"/>
+            <a:ext cx="8222100" cy="838800"/>
+          </a:xfrm>
+          <a:prstGeom prst="rect">
+            <a:avLst/>
+          </a:prstGeom>
+        </p:spPr>
+        <p:txBody>
+          <a:bodyPr spcFirstLastPara="1" wrap="square" lIns="91425" tIns="91425" rIns="91425" bIns="91425" anchor="b" anchorCtr="0">
+            <a:normAutofit/>
+          </a:bodyPr>
+          <a:lstStyle/>
+          <a:p>
+            <a:pPr marL="0" lvl="0" indent="0" algn="l" rtl="0">
+              <a:spcBef>
+                <a:spcPts val="0"/>
+              </a:spcBef>
+              <a:spcAft>
+                <a:spcPts val="0"/>
+              </a:spcAft>
+              <a:buNone/>
+            </a:pPr>
+            <a:r>
+              <a:rPr lang="pt-BR" dirty="0"/>
+              <a:t>Tratamento dos Dados</a:t>
+            </a:r>
+            <a:endParaRPr dirty="0"/>
+          </a:p>
+        </p:txBody>
+      </p:sp>
+    </p:spTree>
+    <p:extLst>
+      <p:ext uri="{BB962C8B-B14F-4D97-AF65-F5344CB8AC3E}">
+        <p14:creationId xmlns:p14="http://schemas.microsoft.com/office/powerpoint/2010/main" val="1043545925"/>
+      </p:ext>
+    </p:extLst>
+  </p:cSld>
+  <p:clrMapOvr>
+    <a:masterClrMapping/>
+  </p:clrMapOvr>
+</p:sld>
+</file>
+
+<file path=ppt/slides/slide12.xml><?xml version="1.0" encoding="utf-8"?>
+<p:sld xmlns:a="http://schemas.openxmlformats.org/drawingml/2006/main" xmlns:r="http://schemas.openxmlformats.org/officeDocument/2006/relationships" xmlns:p="http://schemas.openxmlformats.org/presentationml/2006/main">
+  <p:cSld>
+    <p:spTree>
+      <p:nvGrpSpPr>
+        <p:cNvPr id="1" name=""/>
+        <p:cNvGrpSpPr/>
+        <p:nvPr/>
+      </p:nvGrpSpPr>
+      <p:grpSpPr>
+        <a:xfrm>
+          <a:off x="0" y="0"/>
+          <a:ext cx="0" cy="0"/>
+          <a:chOff x="0" y="0"/>
+          <a:chExt cx="0" cy="0"/>
+        </a:xfrm>
+      </p:grpSpPr>
+      <p:sp>
+        <p:nvSpPr>
+          <p:cNvPr id="2" name="Título 1"/>
+          <p:cNvSpPr>
+            <a:spLocks noGrp="1"/>
+          </p:cNvSpPr>
+          <p:nvPr>
+            <p:ph type="title"/>
+          </p:nvPr>
+        </p:nvSpPr>
+        <p:spPr>
+          <a:xfrm>
+            <a:off x="349800" y="206800"/>
+            <a:ext cx="8520600" cy="607800"/>
+          </a:xfrm>
+        </p:spPr>
+        <p:txBody>
+          <a:bodyPr>
+            <a:normAutofit fontScale="90000"/>
+          </a:bodyPr>
+          <a:lstStyle/>
+          <a:p>
+            <a:r>
+              <a:rPr lang="pt-BR" dirty="0"/>
+              <a:t>Tratamento dos Dados</a:t>
+            </a:r>
+          </a:p>
+        </p:txBody>
+      </p:sp>
+      <p:sp>
+        <p:nvSpPr>
+          <p:cNvPr id="3" name="Google Shape;130;p20">
+            <a:extLst>
+              <a:ext uri="{FF2B5EF4-FFF2-40B4-BE49-F238E27FC236}">
+                <a16:creationId xmlns:a16="http://schemas.microsoft.com/office/drawing/2014/main" id="{EE2AB964-93D9-00D5-A50B-E580EB61DD91}"/>
+              </a:ext>
+            </a:extLst>
+          </p:cNvPr>
+          <p:cNvSpPr txBox="1">
+            <a:spLocks noGrp="1"/>
+          </p:cNvSpPr>
+          <p:nvPr>
+            <p:ph type="body" idx="1"/>
+          </p:nvPr>
+        </p:nvSpPr>
+        <p:spPr>
+          <a:xfrm>
+            <a:off x="299591" y="1110068"/>
+            <a:ext cx="8621018" cy="3288750"/>
+          </a:xfrm>
+          <a:prstGeom prst="rect">
+            <a:avLst/>
+          </a:prstGeom>
+        </p:spPr>
+        <p:txBody>
+          <a:bodyPr spcFirstLastPara="1" wrap="square" lIns="91425" tIns="91425" rIns="91425" bIns="91425" anchor="t" anchorCtr="0">
+            <a:normAutofit/>
+          </a:bodyPr>
+          <a:lstStyle/>
+          <a:p>
+            <a:pPr marL="285750" lvl="0" indent="-285750" algn="just">
+              <a:spcAft>
+                <a:spcPts val="1200"/>
+              </a:spcAft>
+              <a:buFont typeface="Arial" panose="020B0604020202020204" pitchFamily="34" charset="0"/>
+              <a:buChar char="•"/>
+            </a:pPr>
+            <a:r>
+              <a:rPr lang="pt-BR" sz="1300" dirty="0">
+                <a:solidFill>
+                  <a:schemeClr val="bg2"/>
+                </a:solidFill>
+                <a:latin typeface="+mn-lt"/>
+              </a:rPr>
+              <a:t>As variáveis de datas especificas foram removidas;</a:t>
+            </a:r>
+          </a:p>
+          <a:p>
+            <a:pPr marL="285750" lvl="0" indent="-285750" algn="just">
+              <a:spcAft>
+                <a:spcPts val="1200"/>
+              </a:spcAft>
+              <a:buFont typeface="Arial" panose="020B0604020202020204" pitchFamily="34" charset="0"/>
+              <a:buChar char="•"/>
+            </a:pPr>
+            <a:r>
+              <a:rPr lang="pt-BR" sz="1300" dirty="0">
+                <a:solidFill>
+                  <a:schemeClr val="bg2"/>
+                </a:solidFill>
+                <a:latin typeface="+mn-lt"/>
+              </a:rPr>
+              <a:t>As variáveis com valores categóricos foram preenchidos com “0”;</a:t>
+            </a:r>
+          </a:p>
+          <a:p>
+            <a:pPr marL="285750" lvl="0" indent="-285750" algn="just">
+              <a:spcAft>
+                <a:spcPts val="1200"/>
+              </a:spcAft>
+              <a:buFont typeface="Arial" panose="020B0604020202020204" pitchFamily="34" charset="0"/>
+              <a:buChar char="•"/>
+            </a:pPr>
+            <a:r>
+              <a:rPr lang="pt-BR" sz="1300" dirty="0">
+                <a:solidFill>
+                  <a:schemeClr val="bg2"/>
+                </a:solidFill>
+                <a:latin typeface="+mn-lt"/>
+              </a:rPr>
+              <a:t>Variáveis com mais de 70% de registros nulos foram removidas por não terem informação suficiente;</a:t>
+            </a:r>
+          </a:p>
+          <a:p>
+            <a:pPr marL="285750" lvl="0" indent="-285750" algn="just">
+              <a:spcAft>
+                <a:spcPts val="1200"/>
+              </a:spcAft>
+              <a:buFont typeface="Arial" panose="020B0604020202020204" pitchFamily="34" charset="0"/>
+              <a:buChar char="•"/>
+            </a:pPr>
+            <a:r>
+              <a:rPr lang="pt-BR" sz="1300" dirty="0">
+                <a:solidFill>
+                  <a:schemeClr val="bg2"/>
+                </a:solidFill>
+                <a:latin typeface="+mn-lt"/>
+              </a:rPr>
+              <a:t>O restante das variáveis com valores nulos, foram substituídos pela mediana da variável.</a:t>
+            </a:r>
+          </a:p>
+        </p:txBody>
+      </p:sp>
+    </p:spTree>
+    <p:extLst>
+      <p:ext uri="{BB962C8B-B14F-4D97-AF65-F5344CB8AC3E}">
+        <p14:creationId xmlns:p14="http://schemas.microsoft.com/office/powerpoint/2010/main" val="3916520864"/>
+      </p:ext>
+    </p:extLst>
+  </p:cSld>
+  <p:clrMapOvr>
+    <a:masterClrMapping/>
+  </p:clrMapOvr>
+</p:sld>
+</file>
+
+<file path=ppt/slides/slide13.xml><?xml version="1.0" encoding="utf-8"?>
+<p:sld xmlns:a="http://schemas.openxmlformats.org/drawingml/2006/main" xmlns:r="http://schemas.openxmlformats.org/officeDocument/2006/relationships" xmlns:p="http://schemas.openxmlformats.org/presentationml/2006/main">
+  <p:cSld>
+    <p:spTree>
+      <p:nvGrpSpPr>
+        <p:cNvPr id="1" name="Shape 122"/>
+        <p:cNvGrpSpPr/>
+        <p:nvPr/>
+      </p:nvGrpSpPr>
+      <p:grpSpPr>
+        <a:xfrm>
+          <a:off x="0" y="0"/>
+          <a:ext cx="0" cy="0"/>
+          <a:chOff x="0" y="0"/>
+          <a:chExt cx="0" cy="0"/>
+        </a:xfrm>
+      </p:grpSpPr>
+      <p:sp>
+        <p:nvSpPr>
+          <p:cNvPr id="123" name="Google Shape;123;p19"/>
+          <p:cNvSpPr txBox="1">
+            <a:spLocks noGrp="1"/>
+          </p:cNvSpPr>
+          <p:nvPr>
+            <p:ph type="ctrTitle"/>
+          </p:nvPr>
+        </p:nvSpPr>
+        <p:spPr>
+          <a:xfrm>
+            <a:off x="598100" y="1775222"/>
+            <a:ext cx="8222100" cy="838800"/>
+          </a:xfrm>
+          <a:prstGeom prst="rect">
+            <a:avLst/>
+          </a:prstGeom>
+        </p:spPr>
+        <p:txBody>
+          <a:bodyPr spcFirstLastPara="1" wrap="square" lIns="91425" tIns="91425" rIns="91425" bIns="91425" anchor="b" anchorCtr="0">
+            <a:normAutofit/>
+          </a:bodyPr>
+          <a:lstStyle/>
+          <a:p>
+            <a:pPr marL="0" lvl="0" indent="0" algn="l" rtl="0">
+              <a:spcBef>
+                <a:spcPts val="0"/>
+              </a:spcBef>
+              <a:spcAft>
+                <a:spcPts val="0"/>
+              </a:spcAft>
+              <a:buNone/>
+            </a:pPr>
+            <a:r>
+              <a:rPr lang="pt-BR" dirty="0"/>
+              <a:t>Escolha dos Modelos</a:t>
+            </a:r>
+            <a:endParaRPr dirty="0"/>
+          </a:p>
+        </p:txBody>
+      </p:sp>
+    </p:spTree>
+  </p:cSld>
+  <p:clrMapOvr>
+    <a:masterClrMapping/>
+  </p:clrMapOvr>
+</p:sld>
+</file>
+
+<file path=ppt/slides/slide14.xml><?xml version="1.0" encoding="utf-8"?>
+<p:sld xmlns:a="http://schemas.openxmlformats.org/drawingml/2006/main" xmlns:r="http://schemas.openxmlformats.org/officeDocument/2006/relationships" xmlns:p="http://schemas.openxmlformats.org/presentationml/2006/main">
+  <p:cSld>
+    <p:spTree>
+      <p:nvGrpSpPr>
+        <p:cNvPr id="1" name=""/>
+        <p:cNvGrpSpPr/>
+        <p:nvPr/>
+      </p:nvGrpSpPr>
+      <p:grpSpPr>
+        <a:xfrm>
+          <a:off x="0" y="0"/>
+          <a:ext cx="0" cy="0"/>
+          <a:chOff x="0" y="0"/>
+          <a:chExt cx="0" cy="0"/>
+        </a:xfrm>
+      </p:grpSpPr>
+      <p:sp>
+        <p:nvSpPr>
+          <p:cNvPr id="3" name="Retângulo 2">
+            <a:extLst>
+              <a:ext uri="{FF2B5EF4-FFF2-40B4-BE49-F238E27FC236}">
+                <a16:creationId xmlns:a16="http://schemas.microsoft.com/office/drawing/2014/main" id="{1D85206B-46F7-7226-9FC8-96F44DB55E11}"/>
+              </a:ext>
+            </a:extLst>
+          </p:cNvPr>
+          <p:cNvSpPr/>
+          <p:nvPr/>
+        </p:nvSpPr>
+        <p:spPr>
+          <a:xfrm>
+            <a:off x="5631872" y="3332528"/>
+            <a:ext cx="3512127" cy="1558636"/>
+          </a:xfrm>
+          <a:prstGeom prst="rect">
+            <a:avLst/>
+          </a:prstGeom>
+          <a:solidFill>
+            <a:schemeClr val="bg1"/>
+          </a:solidFill>
+          <a:ln>
+            <a:noFill/>
+          </a:ln>
+        </p:spPr>
+        <p:style>
+          <a:lnRef idx="2">
+            <a:schemeClr val="accent1">
+              <a:shade val="50000"/>
+            </a:schemeClr>
+          </a:lnRef>
+          <a:fillRef idx="1">
+            <a:schemeClr val="accent1"/>
+          </a:fillRef>
+          <a:effectRef idx="0">
+            <a:schemeClr val="accent1"/>
+          </a:effectRef>
+          <a:fontRef idx="minor">
+            <a:schemeClr val="lt1"/>
+          </a:fontRef>
+        </p:style>
+        <p:txBody>
+          <a:bodyPr rtlCol="0" anchor="ctr"/>
+          <a:lstStyle/>
+          <a:p>
+            <a:pPr algn="ctr"/>
+            <a:endParaRPr lang="pt-BR"/>
+          </a:p>
+        </p:txBody>
+      </p:sp>
+      <p:sp>
+        <p:nvSpPr>
+          <p:cNvPr id="2" name="Título 1"/>
+          <p:cNvSpPr>
+            <a:spLocks noGrp="1"/>
+          </p:cNvSpPr>
+          <p:nvPr>
+            <p:ph type="title"/>
+          </p:nvPr>
+        </p:nvSpPr>
         <p:spPr/>
         <p:txBody>
           <a:bodyPr>
@@ -8975,13 +9923,13 @@
           <p:nvPr>
             <p:extLst>
               <p:ext uri="{D42A27DB-BD31-4B8C-83A1-F6EECF244321}">
-                <p14:modId xmlns:p14="http://schemas.microsoft.com/office/powerpoint/2010/main" val="75969825"/>
+                <p14:modId xmlns:p14="http://schemas.microsoft.com/office/powerpoint/2010/main" val="2363790661"/>
               </p:ext>
             </p:extLst>
           </p:nvPr>
         </p:nvGraphicFramePr>
         <p:xfrm>
-          <a:off x="438150" y="1320800"/>
+          <a:off x="663575" y="1810972"/>
           <a:ext cx="7816849" cy="2108200"/>
         </p:xfrm>
         <a:graphic>
@@ -15463,12 +16411,12 @@
                     <a:p>
                       <a:pPr algn="l" fontAlgn="b"/>
                       <a:r>
-                        <a:rPr lang="pt-BR" sz="1100" u="none" strike="noStrike">
+                        <a:rPr lang="pt-BR" sz="1100" u="none" strike="noStrike" dirty="0">
                           <a:effectLst/>
                         </a:rPr>
                         <a:t>0.8382</a:t>
                       </a:r>
-                      <a:endParaRPr lang="pt-BR" sz="1100" b="0" i="0" u="none" strike="noStrike">
+                      <a:endParaRPr lang="pt-BR" sz="1100" b="0" i="0" u="none" strike="noStrike" dirty="0">
                         <a:solidFill>
                           <a:srgbClr val="000000"/>
                         </a:solidFill>
@@ -15954,6 +16902,152 @@
           </a:graphicData>
         </a:graphic>
       </p:graphicFrame>
+      <p:sp>
+        <p:nvSpPr>
+          <p:cNvPr id="4" name="Google Shape;130;p20">
+            <a:extLst>
+              <a:ext uri="{FF2B5EF4-FFF2-40B4-BE49-F238E27FC236}">
+                <a16:creationId xmlns:a16="http://schemas.microsoft.com/office/drawing/2014/main" id="{4E5D6019-55BA-4DBF-71DC-DBD41112B892}"/>
+              </a:ext>
+            </a:extLst>
+          </p:cNvPr>
+          <p:cNvSpPr txBox="1">
+            <a:spLocks noGrp="1"/>
+          </p:cNvSpPr>
+          <p:nvPr>
+            <p:ph type="body" idx="1"/>
+          </p:nvPr>
+        </p:nvSpPr>
+        <p:spPr>
+          <a:xfrm>
+            <a:off x="299591" y="1110069"/>
+            <a:ext cx="8621018" cy="850350"/>
+          </a:xfrm>
+          <a:prstGeom prst="rect">
+            <a:avLst/>
+          </a:prstGeom>
+        </p:spPr>
+        <p:txBody>
+          <a:bodyPr spcFirstLastPara="1" wrap="square" lIns="91425" tIns="91425" rIns="91425" bIns="91425" anchor="t" anchorCtr="0">
+            <a:normAutofit/>
+          </a:bodyPr>
+          <a:lstStyle/>
+          <a:p>
+            <a:pPr marL="285750" lvl="0" indent="-285750" algn="just">
+              <a:spcAft>
+                <a:spcPts val="1200"/>
+              </a:spcAft>
+              <a:buFont typeface="Arial" panose="020B0604020202020204" pitchFamily="34" charset="0"/>
+              <a:buChar char="•"/>
+            </a:pPr>
+            <a:r>
+              <a:rPr lang="pt-BR" sz="1200" dirty="0">
+                <a:solidFill>
+                  <a:schemeClr val="bg2"/>
+                </a:solidFill>
+                <a:latin typeface="+mn-lt"/>
+              </a:rPr>
+              <a:t>Para a escolha dos modelos rodamos o </a:t>
+            </a:r>
+            <a:r>
+              <a:rPr lang="pt-BR" sz="1200" i="1" dirty="0" err="1">
+                <a:solidFill>
+                  <a:schemeClr val="bg2"/>
+                </a:solidFill>
+                <a:latin typeface="+mn-lt"/>
+              </a:rPr>
+              <a:t>pycaret</a:t>
+            </a:r>
+            <a:r>
+              <a:rPr lang="pt-BR" sz="1200" dirty="0">
+                <a:solidFill>
+                  <a:schemeClr val="bg2"/>
+                </a:solidFill>
+                <a:latin typeface="+mn-lt"/>
+              </a:rPr>
+              <a:t> que algoritmo que nos apresenta vários modelos e seus resultados, sendo os melhores modelos 'Extra </a:t>
+            </a:r>
+            <a:r>
+              <a:rPr lang="pt-BR" sz="1200" dirty="0" err="1">
+                <a:solidFill>
+                  <a:schemeClr val="bg2"/>
+                </a:solidFill>
+                <a:latin typeface="+mn-lt"/>
+              </a:rPr>
+              <a:t>Trees</a:t>
+            </a:r>
+            <a:r>
+              <a:rPr lang="pt-BR" sz="1200" dirty="0">
+                <a:solidFill>
+                  <a:schemeClr val="bg2"/>
+                </a:solidFill>
+                <a:latin typeface="+mn-lt"/>
+              </a:rPr>
+              <a:t> </a:t>
+            </a:r>
+            <a:r>
+              <a:rPr lang="pt-BR" sz="1200" dirty="0" err="1">
+                <a:solidFill>
+                  <a:schemeClr val="bg2"/>
+                </a:solidFill>
+                <a:latin typeface="+mn-lt"/>
+              </a:rPr>
+              <a:t>Classifier</a:t>
+            </a:r>
+            <a:r>
+              <a:rPr lang="pt-BR" sz="1200" dirty="0">
+                <a:solidFill>
+                  <a:schemeClr val="bg2"/>
+                </a:solidFill>
+                <a:latin typeface="+mn-lt"/>
+              </a:rPr>
+              <a:t>' e '</a:t>
+            </a:r>
+            <a:r>
+              <a:rPr lang="pt-BR" sz="1200" dirty="0" err="1">
+                <a:solidFill>
+                  <a:schemeClr val="bg2"/>
+                </a:solidFill>
+                <a:latin typeface="+mn-lt"/>
+              </a:rPr>
+              <a:t>Random</a:t>
+            </a:r>
+            <a:r>
+              <a:rPr lang="pt-BR" sz="1200" dirty="0">
+                <a:solidFill>
+                  <a:schemeClr val="bg2"/>
+                </a:solidFill>
+                <a:latin typeface="+mn-lt"/>
+              </a:rPr>
+              <a:t> Forest </a:t>
+            </a:r>
+            <a:r>
+              <a:rPr lang="pt-BR" sz="1200" dirty="0" err="1">
+                <a:solidFill>
+                  <a:schemeClr val="bg2"/>
+                </a:solidFill>
+                <a:latin typeface="+mn-lt"/>
+              </a:rPr>
+              <a:t>Classifier</a:t>
+            </a:r>
+            <a:r>
+              <a:rPr lang="pt-BR" sz="1200" dirty="0">
+                <a:solidFill>
+                  <a:schemeClr val="bg2"/>
+                </a:solidFill>
+                <a:latin typeface="+mn-lt"/>
+              </a:rPr>
+              <a:t>'</a:t>
+            </a:r>
+            <a:endParaRPr sz="1200" dirty="0">
+              <a:solidFill>
+                <a:schemeClr val="bg2"/>
+              </a:solidFill>
+              <a:latin typeface="+mn-lt"/>
+            </a:endParaRPr>
+          </a:p>
+        </p:txBody>
+      </p:sp>
     </p:spTree>
     <p:extLst>
       <p:ext uri="{BB962C8B-B14F-4D97-AF65-F5344CB8AC3E}">
@@ -15967,7 +17061,79 @@
 </p:sld>
 </file>
 
-<file path=ppt/slides/slide11.xml><?xml version="1.0" encoding="utf-8"?>
+<file path=ppt/slides/slide15.xml><?xml version="1.0" encoding="utf-8"?>
+<p:sld xmlns:a="http://schemas.openxmlformats.org/drawingml/2006/main" xmlns:r="http://schemas.openxmlformats.org/officeDocument/2006/relationships" xmlns:p="http://schemas.openxmlformats.org/presentationml/2006/main">
+  <p:cSld>
+    <p:spTree>
+      <p:nvGrpSpPr>
+        <p:cNvPr id="1" name="Shape 122"/>
+        <p:cNvGrpSpPr/>
+        <p:nvPr/>
+      </p:nvGrpSpPr>
+      <p:grpSpPr>
+        <a:xfrm>
+          <a:off x="0" y="0"/>
+          <a:ext cx="0" cy="0"/>
+          <a:chOff x="0" y="0"/>
+          <a:chExt cx="0" cy="0"/>
+        </a:xfrm>
+      </p:grpSpPr>
+      <p:sp>
+        <p:nvSpPr>
+          <p:cNvPr id="123" name="Google Shape;123;p19"/>
+          <p:cNvSpPr txBox="1">
+            <a:spLocks noGrp="1"/>
+          </p:cNvSpPr>
+          <p:nvPr>
+            <p:ph type="ctrTitle"/>
+          </p:nvPr>
+        </p:nvSpPr>
+        <p:spPr>
+          <a:xfrm>
+            <a:off x="598100" y="1775222"/>
+            <a:ext cx="8222100" cy="838800"/>
+          </a:xfrm>
+          <a:prstGeom prst="rect">
+            <a:avLst/>
+          </a:prstGeom>
+        </p:spPr>
+        <p:txBody>
+          <a:bodyPr spcFirstLastPara="1" wrap="square" lIns="91425" tIns="91425" rIns="91425" bIns="91425" anchor="b" anchorCtr="0">
+            <a:normAutofit/>
+          </a:bodyPr>
+          <a:lstStyle/>
+          <a:p>
+            <a:pPr marL="0" lvl="0" indent="0" algn="l" rtl="0">
+              <a:spcBef>
+                <a:spcPts val="0"/>
+              </a:spcBef>
+              <a:spcAft>
+                <a:spcPts val="0"/>
+              </a:spcAft>
+              <a:buNone/>
+            </a:pPr>
+            <a:r>
+              <a:rPr lang="pt-BR" dirty="0"/>
+              <a:t>Modelos</a:t>
+            </a:r>
+            <a:endParaRPr dirty="0"/>
+          </a:p>
+        </p:txBody>
+      </p:sp>
+    </p:spTree>
+    <p:extLst>
+      <p:ext uri="{BB962C8B-B14F-4D97-AF65-F5344CB8AC3E}">
+        <p14:creationId xmlns:p14="http://schemas.microsoft.com/office/powerpoint/2010/main" val="2831195330"/>
+      </p:ext>
+    </p:extLst>
+  </p:cSld>
+  <p:clrMapOvr>
+    <a:masterClrMapping/>
+  </p:clrMapOvr>
+</p:sld>
+</file>
+
+<file path=ppt/slides/slide16.xml><?xml version="1.0" encoding="utf-8"?>
 <p:sld xmlns:a="http://schemas.openxmlformats.org/drawingml/2006/main" xmlns:r="http://schemas.openxmlformats.org/officeDocument/2006/relationships" xmlns:p="http://schemas.openxmlformats.org/presentationml/2006/main">
   <p:cSld>
     <p:spTree>
@@ -16342,7 +17508,7 @@
 </p:sld>
 </file>
 
-<file path=ppt/slides/slide12.xml><?xml version="1.0" encoding="utf-8"?>
+<file path=ppt/slides/slide17.xml><?xml version="1.0" encoding="utf-8"?>
 <p:sld xmlns:a="http://schemas.openxmlformats.org/drawingml/2006/main" xmlns:r="http://schemas.openxmlformats.org/officeDocument/2006/relationships" xmlns:p="http://schemas.openxmlformats.org/presentationml/2006/main">
   <p:cSld>
     <p:spTree>
@@ -16533,7 +17699,7 @@
 </p:sld>
 </file>
 
-<file path=ppt/slides/slide13.xml><?xml version="1.0" encoding="utf-8"?>
+<file path=ppt/slides/slide18.xml><?xml version="1.0" encoding="utf-8"?>
 <p:sld xmlns:a="http://schemas.openxmlformats.org/drawingml/2006/main" xmlns:r="http://schemas.openxmlformats.org/officeDocument/2006/relationships" xmlns:p="http://schemas.openxmlformats.org/presentationml/2006/main">
   <p:cSld>
     <p:spTree>
@@ -16630,7 +17796,7 @@
 </p:sld>
 </file>
 
-<file path=ppt/slides/slide14.xml><?xml version="1.0" encoding="utf-8"?>
+<file path=ppt/slides/slide19.xml><?xml version="1.0" encoding="utf-8"?>
 <p:sld xmlns:a="http://schemas.openxmlformats.org/drawingml/2006/main" xmlns:r="http://schemas.openxmlformats.org/officeDocument/2006/relationships" xmlns:p="http://schemas.openxmlformats.org/presentationml/2006/main">
   <p:cSld>
     <p:spTree>
@@ -16817,7 +17983,7 @@
             </a:r>
             <a:r>
               <a:rPr lang="pt-BR" sz="1100" dirty="0"/>
-              <a:t> dos clientes, chegando a uma precisão de 98,01% e 97,08% e um recall de 99,8% e 99,9%, respectivamente.</a:t>
+              <a:t> dos clientes, chegando a uma acurácia de 98,93% e 98,45% e um recall de 99,8% e 99,9%, respectivamente.</a:t>
             </a:r>
           </a:p>
           <a:p>
@@ -18060,7 +19226,465 @@
 </p:sld>
 </file>
 
-<file path=ppt/slides/slide15.xml><?xml version="1.0" encoding="utf-8"?>
+<file path=ppt/slides/slide2.xml><?xml version="1.0" encoding="utf-8"?>
+<p:sld xmlns:a="http://schemas.openxmlformats.org/drawingml/2006/main" xmlns:r="http://schemas.openxmlformats.org/officeDocument/2006/relationships" xmlns:p="http://schemas.openxmlformats.org/presentationml/2006/main">
+  <p:cSld>
+    <p:spTree>
+      <p:nvGrpSpPr>
+        <p:cNvPr id="1" name="Shape 89"/>
+        <p:cNvGrpSpPr/>
+        <p:nvPr/>
+      </p:nvGrpSpPr>
+      <p:grpSpPr>
+        <a:xfrm>
+          <a:off x="0" y="0"/>
+          <a:ext cx="0" cy="0"/>
+          <a:chOff x="0" y="0"/>
+          <a:chExt cx="0" cy="0"/>
+        </a:xfrm>
+      </p:grpSpPr>
+      <p:sp>
+        <p:nvSpPr>
+          <p:cNvPr id="90" name="Google Shape;90;p14"/>
+          <p:cNvSpPr txBox="1">
+            <a:spLocks noGrp="1"/>
+          </p:cNvSpPr>
+          <p:nvPr>
+            <p:ph type="title"/>
+          </p:nvPr>
+        </p:nvSpPr>
+        <p:spPr>
+          <a:xfrm>
+            <a:off x="527967" y="1257500"/>
+            <a:ext cx="4472333" cy="607800"/>
+          </a:xfrm>
+          <a:prstGeom prst="rect">
+            <a:avLst/>
+          </a:prstGeom>
+        </p:spPr>
+        <p:txBody>
+          <a:bodyPr spcFirstLastPara="1" wrap="square" lIns="91425" tIns="91425" rIns="91425" bIns="91425" anchor="b" anchorCtr="0">
+            <a:normAutofit fontScale="90000"/>
+          </a:bodyPr>
+          <a:lstStyle/>
+          <a:p>
+            <a:pPr marL="0" lvl="0" indent="0" algn="l" rtl="0">
+              <a:spcBef>
+                <a:spcPts val="0"/>
+              </a:spcBef>
+              <a:spcAft>
+                <a:spcPts val="0"/>
+              </a:spcAft>
+              <a:buNone/>
+            </a:pPr>
+            <a:r>
+              <a:rPr lang="pt-BR" sz="3600" dirty="0"/>
+              <a:t>Agenda</a:t>
+            </a:r>
+            <a:endParaRPr sz="3600" dirty="0"/>
+          </a:p>
+          <a:p>
+            <a:pPr marL="0" lvl="0" indent="0" algn="ctr" rtl="0">
+              <a:spcBef>
+                <a:spcPts val="0"/>
+              </a:spcBef>
+              <a:spcAft>
+                <a:spcPts val="0"/>
+              </a:spcAft>
+              <a:buNone/>
+            </a:pPr>
+            <a:endParaRPr dirty="0"/>
+          </a:p>
+        </p:txBody>
+      </p:sp>
+      <p:grpSp>
+        <p:nvGrpSpPr>
+          <p:cNvPr id="91" name="Google Shape;91;p14"/>
+          <p:cNvGrpSpPr/>
+          <p:nvPr/>
+        </p:nvGrpSpPr>
+        <p:grpSpPr>
+          <a:xfrm>
+            <a:off x="540300" y="1257500"/>
+            <a:ext cx="2628925" cy="3416400"/>
+            <a:chOff x="431925" y="1304875"/>
+            <a:chExt cx="2628925" cy="3416400"/>
+          </a:xfrm>
+        </p:grpSpPr>
+        <p:sp>
+          <p:nvSpPr>
+            <p:cNvPr id="92" name="Google Shape;92;p14"/>
+            <p:cNvSpPr txBox="1"/>
+            <p:nvPr/>
+          </p:nvSpPr>
+          <p:spPr>
+            <a:xfrm>
+              <a:off x="431925" y="1304875"/>
+              <a:ext cx="2628900" cy="464100"/>
+            </a:xfrm>
+            <a:prstGeom prst="rect">
+              <a:avLst/>
+            </a:prstGeom>
+            <a:solidFill>
+              <a:schemeClr val="dk1"/>
+            </a:solidFill>
+            <a:ln>
+              <a:noFill/>
+            </a:ln>
+          </p:spPr>
+          <p:txBody>
+            <a:bodyPr spcFirstLastPara="1" wrap="square" lIns="91425" tIns="91425" rIns="91425" bIns="91425" anchor="ctr" anchorCtr="0">
+              <a:noAutofit/>
+            </a:bodyPr>
+            <a:lstStyle/>
+            <a:p>
+              <a:pPr marL="0" lvl="0" indent="0" algn="l" rtl="0">
+                <a:spcBef>
+                  <a:spcPts val="0"/>
+                </a:spcBef>
+                <a:spcAft>
+                  <a:spcPts val="0"/>
+                </a:spcAft>
+                <a:buNone/>
+              </a:pPr>
+              <a:endParaRPr/>
+            </a:p>
+          </p:txBody>
+        </p:sp>
+        <p:sp>
+          <p:nvSpPr>
+            <p:cNvPr id="93" name="Google Shape;93;p14"/>
+            <p:cNvSpPr/>
+            <p:nvPr/>
+          </p:nvSpPr>
+          <p:spPr>
+            <a:xfrm>
+              <a:off x="431950" y="1304875"/>
+              <a:ext cx="2628900" cy="3416400"/>
+            </a:xfrm>
+            <a:prstGeom prst="rect">
+              <a:avLst/>
+            </a:prstGeom>
+            <a:noFill/>
+            <a:ln w="9525" cap="flat" cmpd="sng">
+              <a:solidFill>
+                <a:schemeClr val="dk1"/>
+              </a:solidFill>
+              <a:prstDash val="solid"/>
+              <a:round/>
+              <a:headEnd type="none" w="sm" len="sm"/>
+              <a:tailEnd type="none" w="sm" len="sm"/>
+            </a:ln>
+          </p:spPr>
+          <p:txBody>
+            <a:bodyPr spcFirstLastPara="1" wrap="square" lIns="91425" tIns="91425" rIns="91425" bIns="91425" anchor="ctr" anchorCtr="0">
+              <a:noAutofit/>
+            </a:bodyPr>
+            <a:lstStyle/>
+            <a:p>
+              <a:pPr marL="457200" lvl="0" indent="-355600" algn="l" rtl="0">
+                <a:lnSpc>
+                  <a:spcPct val="115000"/>
+                </a:lnSpc>
+                <a:spcBef>
+                  <a:spcPts val="0"/>
+                </a:spcBef>
+                <a:spcAft>
+                  <a:spcPts val="0"/>
+                </a:spcAft>
+                <a:buClr>
+                  <a:srgbClr val="434343"/>
+                </a:buClr>
+                <a:buSzPts val="2000"/>
+                <a:buChar char="●"/>
+              </a:pPr>
+              <a:r>
+                <a:rPr lang="pt-BR" sz="1500" dirty="0">
+                  <a:solidFill>
+                    <a:srgbClr val="434343"/>
+                  </a:solidFill>
+                </a:rPr>
+                <a:t>Equipe</a:t>
+              </a:r>
+              <a:endParaRPr sz="1500" dirty="0">
+                <a:solidFill>
+                  <a:srgbClr val="434343"/>
+                </a:solidFill>
+              </a:endParaRPr>
+            </a:p>
+            <a:p>
+              <a:pPr marL="457200" lvl="0" indent="-355600" algn="l" rtl="0">
+                <a:lnSpc>
+                  <a:spcPct val="115000"/>
+                </a:lnSpc>
+                <a:spcBef>
+                  <a:spcPts val="0"/>
+                </a:spcBef>
+                <a:spcAft>
+                  <a:spcPts val="0"/>
+                </a:spcAft>
+                <a:buClr>
+                  <a:srgbClr val="434343"/>
+                </a:buClr>
+                <a:buSzPts val="2000"/>
+                <a:buChar char="●"/>
+              </a:pPr>
+              <a:r>
+                <a:rPr lang="pt-BR" sz="1500" dirty="0">
+                  <a:solidFill>
+                    <a:srgbClr val="434343"/>
+                  </a:solidFill>
+                </a:rPr>
+                <a:t>Introdução</a:t>
+              </a:r>
+              <a:endParaRPr sz="1500" dirty="0">
+                <a:solidFill>
+                  <a:srgbClr val="434343"/>
+                </a:solidFill>
+              </a:endParaRPr>
+            </a:p>
+            <a:p>
+              <a:pPr marL="457200" lvl="0" indent="-355600" algn="l" rtl="0">
+                <a:lnSpc>
+                  <a:spcPct val="115000"/>
+                </a:lnSpc>
+                <a:spcBef>
+                  <a:spcPts val="0"/>
+                </a:spcBef>
+                <a:spcAft>
+                  <a:spcPts val="0"/>
+                </a:spcAft>
+                <a:buClr>
+                  <a:srgbClr val="434343"/>
+                </a:buClr>
+                <a:buSzPts val="2000"/>
+                <a:buChar char="●"/>
+              </a:pPr>
+              <a:r>
+                <a:rPr lang="pt-BR" sz="1500" dirty="0" err="1">
+                  <a:solidFill>
+                    <a:srgbClr val="434343"/>
+                  </a:solidFill>
+                </a:rPr>
+                <a:t>Dataset</a:t>
+              </a:r>
+              <a:endParaRPr lang="pt-BR" sz="1500" dirty="0">
+                <a:solidFill>
+                  <a:srgbClr val="434343"/>
+                </a:solidFill>
+              </a:endParaRPr>
+            </a:p>
+            <a:p>
+              <a:pPr marL="457200" indent="-355600">
+                <a:lnSpc>
+                  <a:spcPct val="115000"/>
+                </a:lnSpc>
+                <a:buClr>
+                  <a:srgbClr val="434343"/>
+                </a:buClr>
+                <a:buSzPts val="2000"/>
+                <a:buFont typeface="Arial"/>
+                <a:buChar char="●"/>
+              </a:pPr>
+              <a:r>
+                <a:rPr lang="pt-BR" sz="1500" dirty="0">
+                  <a:solidFill>
+                    <a:srgbClr val="434343"/>
+                  </a:solidFill>
+                </a:rPr>
+                <a:t>Análise Macro</a:t>
+              </a:r>
+            </a:p>
+            <a:p>
+              <a:pPr marL="457200" lvl="0" indent="-355600" algn="l" rtl="0">
+                <a:lnSpc>
+                  <a:spcPct val="115000"/>
+                </a:lnSpc>
+                <a:spcBef>
+                  <a:spcPts val="0"/>
+                </a:spcBef>
+                <a:spcAft>
+                  <a:spcPts val="0"/>
+                </a:spcAft>
+                <a:buClr>
+                  <a:srgbClr val="434343"/>
+                </a:buClr>
+                <a:buSzPts val="2000"/>
+                <a:buChar char="●"/>
+              </a:pPr>
+              <a:r>
+                <a:rPr lang="pt-BR" sz="1500" dirty="0">
+                  <a:solidFill>
+                    <a:srgbClr val="434343"/>
+                  </a:solidFill>
+                </a:rPr>
+                <a:t>Tratamento dos dados </a:t>
+              </a:r>
+            </a:p>
+            <a:p>
+              <a:pPr marL="457200" lvl="0" indent="-355600" algn="l" rtl="0">
+                <a:lnSpc>
+                  <a:spcPct val="115000"/>
+                </a:lnSpc>
+                <a:spcBef>
+                  <a:spcPts val="0"/>
+                </a:spcBef>
+                <a:spcAft>
+                  <a:spcPts val="0"/>
+                </a:spcAft>
+                <a:buClr>
+                  <a:srgbClr val="434343"/>
+                </a:buClr>
+                <a:buSzPts val="2000"/>
+                <a:buChar char="●"/>
+              </a:pPr>
+              <a:r>
+                <a:rPr lang="pt-BR" sz="1500" dirty="0">
+                  <a:solidFill>
+                    <a:srgbClr val="434343"/>
+                  </a:solidFill>
+                </a:rPr>
+                <a:t>Escolha dos Modelos</a:t>
+              </a:r>
+              <a:endParaRPr sz="1500" dirty="0">
+                <a:solidFill>
+                  <a:srgbClr val="434343"/>
+                </a:solidFill>
+              </a:endParaRPr>
+            </a:p>
+            <a:p>
+              <a:pPr marL="457200" lvl="0" indent="-355600" algn="l" rtl="0">
+                <a:lnSpc>
+                  <a:spcPct val="115000"/>
+                </a:lnSpc>
+                <a:spcBef>
+                  <a:spcPts val="0"/>
+                </a:spcBef>
+                <a:spcAft>
+                  <a:spcPts val="0"/>
+                </a:spcAft>
+                <a:buClr>
+                  <a:srgbClr val="434343"/>
+                </a:buClr>
+                <a:buSzPts val="2000"/>
+                <a:buChar char="●"/>
+              </a:pPr>
+              <a:r>
+                <a:rPr lang="pt-BR" sz="1500" dirty="0">
+                  <a:solidFill>
+                    <a:srgbClr val="434343"/>
+                  </a:solidFill>
+                </a:rPr>
+                <a:t>Modelos</a:t>
+              </a:r>
+              <a:endParaRPr sz="1500" dirty="0">
+                <a:solidFill>
+                  <a:srgbClr val="434343"/>
+                </a:solidFill>
+              </a:endParaRPr>
+            </a:p>
+            <a:p>
+              <a:pPr marL="457200" lvl="0" indent="-355600" algn="l" rtl="0">
+                <a:lnSpc>
+                  <a:spcPct val="115000"/>
+                </a:lnSpc>
+                <a:spcBef>
+                  <a:spcPts val="0"/>
+                </a:spcBef>
+                <a:spcAft>
+                  <a:spcPts val="0"/>
+                </a:spcAft>
+                <a:buClr>
+                  <a:srgbClr val="434343"/>
+                </a:buClr>
+                <a:buSzPts val="2000"/>
+                <a:buChar char="●"/>
+              </a:pPr>
+              <a:r>
+                <a:rPr lang="pt-BR" sz="1500" dirty="0">
+                  <a:solidFill>
+                    <a:srgbClr val="434343"/>
+                  </a:solidFill>
+                </a:rPr>
+                <a:t>Resultados</a:t>
+              </a:r>
+              <a:endParaRPr sz="1500" dirty="0">
+                <a:solidFill>
+                  <a:srgbClr val="434343"/>
+                </a:solidFill>
+              </a:endParaRPr>
+            </a:p>
+            <a:p>
+              <a:pPr marL="457200" lvl="0" indent="-355600" algn="l" rtl="0">
+                <a:lnSpc>
+                  <a:spcPct val="115000"/>
+                </a:lnSpc>
+                <a:spcBef>
+                  <a:spcPts val="0"/>
+                </a:spcBef>
+                <a:spcAft>
+                  <a:spcPts val="0"/>
+                </a:spcAft>
+                <a:buClr>
+                  <a:srgbClr val="434343"/>
+                </a:buClr>
+                <a:buSzPts val="2000"/>
+                <a:buChar char="●"/>
+              </a:pPr>
+              <a:r>
+                <a:rPr lang="pt-BR" sz="1500" dirty="0">
+                  <a:solidFill>
+                    <a:srgbClr val="434343"/>
+                  </a:solidFill>
+                </a:rPr>
+                <a:t>Conclusão</a:t>
+              </a:r>
+              <a:endParaRPr sz="1500" dirty="0">
+                <a:solidFill>
+                  <a:srgbClr val="434343"/>
+                </a:solidFill>
+              </a:endParaRPr>
+            </a:p>
+          </p:txBody>
+        </p:sp>
+      </p:grpSp>
+      <p:pic>
+        <p:nvPicPr>
+          <p:cNvPr id="94" name="Google Shape;94;p14"/>
+          <p:cNvPicPr preferRelativeResize="0"/>
+          <p:nvPr/>
+        </p:nvPicPr>
+        <p:blipFill>
+          <a:blip r:embed="rId3">
+            <a:alphaModFix/>
+          </a:blip>
+          <a:stretch>
+            <a:fillRect/>
+          </a:stretch>
+        </p:blipFill>
+        <p:spPr>
+          <a:xfrm>
+            <a:off x="5000300" y="1238250"/>
+            <a:ext cx="3810000" cy="2667000"/>
+          </a:xfrm>
+          <a:prstGeom prst="rect">
+            <a:avLst/>
+          </a:prstGeom>
+          <a:noFill/>
+          <a:ln>
+            <a:noFill/>
+          </a:ln>
+        </p:spPr>
+      </p:pic>
+    </p:spTree>
+  </p:cSld>
+  <p:clrMapOvr>
+    <a:masterClrMapping/>
+  </p:clrMapOvr>
+</p:sld>
+</file>
+
+<file path=ppt/slides/slide20.xml><?xml version="1.0" encoding="utf-8"?>
 <p:sld xmlns:a="http://schemas.openxmlformats.org/drawingml/2006/main" xmlns:r="http://schemas.openxmlformats.org/officeDocument/2006/relationships" xmlns:p="http://schemas.openxmlformats.org/presentationml/2006/main">
   <p:cSld>
     <p:spTree>
@@ -18157,7 +19781,7 @@
 </p:sld>
 </file>
 
-<file path=ppt/slides/slide16.xml><?xml version="1.0" encoding="utf-8"?>
+<file path=ppt/slides/slide21.xml><?xml version="1.0" encoding="utf-8"?>
 <p:sld xmlns:a="http://schemas.openxmlformats.org/drawingml/2006/main" xmlns:r="http://schemas.openxmlformats.org/officeDocument/2006/relationships" xmlns:p="http://schemas.openxmlformats.org/presentationml/2006/main">
   <p:cSld>
     <p:spTree>
@@ -18266,7 +19890,7 @@
             </a:r>
             <a:r>
               <a:rPr lang="pt-BR" sz="1100" dirty="0"/>
-              <a:t> selecionado teve como objetivo identificar os fatores mais relevantes na decisão dos clientes de cancelar o plano. </a:t>
+              <a:t> selecionado, teve como objetivo identificar os fatores mais relevantes na decisão dos clientes de cancelar o plano. </a:t>
             </a:r>
           </a:p>
           <a:p>
@@ -18738,386 +20362,6 @@
 </p:sld>
 </file>
 
-<file path=ppt/slides/slide2.xml><?xml version="1.0" encoding="utf-8"?>
-<p:sld xmlns:a="http://schemas.openxmlformats.org/drawingml/2006/main" xmlns:r="http://schemas.openxmlformats.org/officeDocument/2006/relationships" xmlns:p="http://schemas.openxmlformats.org/presentationml/2006/main">
-  <p:cSld>
-    <p:spTree>
-      <p:nvGrpSpPr>
-        <p:cNvPr id="1" name="Shape 89"/>
-        <p:cNvGrpSpPr/>
-        <p:nvPr/>
-      </p:nvGrpSpPr>
-      <p:grpSpPr>
-        <a:xfrm>
-          <a:off x="0" y="0"/>
-          <a:ext cx="0" cy="0"/>
-          <a:chOff x="0" y="0"/>
-          <a:chExt cx="0" cy="0"/>
-        </a:xfrm>
-      </p:grpSpPr>
-      <p:sp>
-        <p:nvSpPr>
-          <p:cNvPr id="90" name="Google Shape;90;p14"/>
-          <p:cNvSpPr txBox="1">
-            <a:spLocks noGrp="1"/>
-          </p:cNvSpPr>
-          <p:nvPr>
-            <p:ph type="title"/>
-          </p:nvPr>
-        </p:nvSpPr>
-        <p:spPr>
-          <a:xfrm>
-            <a:off x="-2786537" y="1257500"/>
-            <a:ext cx="8520600" cy="607800"/>
-          </a:xfrm>
-          <a:prstGeom prst="rect">
-            <a:avLst/>
-          </a:prstGeom>
-        </p:spPr>
-        <p:txBody>
-          <a:bodyPr spcFirstLastPara="1" wrap="square" lIns="91425" tIns="91425" rIns="91425" bIns="91425" anchor="b" anchorCtr="0">
-            <a:normAutofit fontScale="90000"/>
-          </a:bodyPr>
-          <a:lstStyle/>
-          <a:p>
-            <a:pPr marL="0" lvl="0" indent="0" algn="ctr" rtl="0">
-              <a:spcBef>
-                <a:spcPts val="0"/>
-              </a:spcBef>
-              <a:spcAft>
-                <a:spcPts val="0"/>
-              </a:spcAft>
-              <a:buNone/>
-            </a:pPr>
-            <a:r>
-              <a:rPr lang="pt-BR" sz="3600"/>
-              <a:t>Agenda</a:t>
-            </a:r>
-            <a:endParaRPr sz="3600"/>
-          </a:p>
-          <a:p>
-            <a:pPr marL="0" lvl="0" indent="0" algn="ctr" rtl="0">
-              <a:spcBef>
-                <a:spcPts val="0"/>
-              </a:spcBef>
-              <a:spcAft>
-                <a:spcPts val="0"/>
-              </a:spcAft>
-              <a:buNone/>
-            </a:pPr>
-            <a:endParaRPr/>
-          </a:p>
-        </p:txBody>
-      </p:sp>
-      <p:grpSp>
-        <p:nvGrpSpPr>
-          <p:cNvPr id="91" name="Google Shape;91;p14"/>
-          <p:cNvGrpSpPr/>
-          <p:nvPr/>
-        </p:nvGrpSpPr>
-        <p:grpSpPr>
-          <a:xfrm>
-            <a:off x="540300" y="1257500"/>
-            <a:ext cx="2628925" cy="3416400"/>
-            <a:chOff x="431925" y="1304875"/>
-            <a:chExt cx="2628925" cy="3416400"/>
-          </a:xfrm>
-        </p:grpSpPr>
-        <p:sp>
-          <p:nvSpPr>
-            <p:cNvPr id="92" name="Google Shape;92;p14"/>
-            <p:cNvSpPr txBox="1"/>
-            <p:nvPr/>
-          </p:nvSpPr>
-          <p:spPr>
-            <a:xfrm>
-              <a:off x="431925" y="1304875"/>
-              <a:ext cx="2628900" cy="464100"/>
-            </a:xfrm>
-            <a:prstGeom prst="rect">
-              <a:avLst/>
-            </a:prstGeom>
-            <a:solidFill>
-              <a:schemeClr val="dk1"/>
-            </a:solidFill>
-            <a:ln>
-              <a:noFill/>
-            </a:ln>
-          </p:spPr>
-          <p:txBody>
-            <a:bodyPr spcFirstLastPara="1" wrap="square" lIns="91425" tIns="91425" rIns="91425" bIns="91425" anchor="ctr" anchorCtr="0">
-              <a:noAutofit/>
-            </a:bodyPr>
-            <a:lstStyle/>
-            <a:p>
-              <a:pPr marL="0" lvl="0" indent="0" algn="l" rtl="0">
-                <a:spcBef>
-                  <a:spcPts val="0"/>
-                </a:spcBef>
-                <a:spcAft>
-                  <a:spcPts val="0"/>
-                </a:spcAft>
-                <a:buNone/>
-              </a:pPr>
-              <a:endParaRPr/>
-            </a:p>
-          </p:txBody>
-        </p:sp>
-        <p:sp>
-          <p:nvSpPr>
-            <p:cNvPr id="93" name="Google Shape;93;p14"/>
-            <p:cNvSpPr/>
-            <p:nvPr/>
-          </p:nvSpPr>
-          <p:spPr>
-            <a:xfrm>
-              <a:off x="431950" y="1304875"/>
-              <a:ext cx="2628900" cy="3416400"/>
-            </a:xfrm>
-            <a:prstGeom prst="rect">
-              <a:avLst/>
-            </a:prstGeom>
-            <a:noFill/>
-            <a:ln w="9525" cap="flat" cmpd="sng">
-              <a:solidFill>
-                <a:schemeClr val="dk1"/>
-              </a:solidFill>
-              <a:prstDash val="solid"/>
-              <a:round/>
-              <a:headEnd type="none" w="sm" len="sm"/>
-              <a:tailEnd type="none" w="sm" len="sm"/>
-            </a:ln>
-          </p:spPr>
-          <p:txBody>
-            <a:bodyPr spcFirstLastPara="1" wrap="square" lIns="91425" tIns="91425" rIns="91425" bIns="91425" anchor="ctr" anchorCtr="0">
-              <a:noAutofit/>
-            </a:bodyPr>
-            <a:lstStyle/>
-            <a:p>
-              <a:pPr marL="457200" lvl="0" indent="-355600" algn="l" rtl="0">
-                <a:lnSpc>
-                  <a:spcPct val="115000"/>
-                </a:lnSpc>
-                <a:spcBef>
-                  <a:spcPts val="0"/>
-                </a:spcBef>
-                <a:spcAft>
-                  <a:spcPts val="0"/>
-                </a:spcAft>
-                <a:buClr>
-                  <a:srgbClr val="434343"/>
-                </a:buClr>
-                <a:buSzPts val="2000"/>
-                <a:buChar char="●"/>
-              </a:pPr>
-              <a:r>
-                <a:rPr lang="pt-BR" sz="2000" dirty="0">
-                  <a:solidFill>
-                    <a:srgbClr val="434343"/>
-                  </a:solidFill>
-                </a:rPr>
-                <a:t>Equipe</a:t>
-              </a:r>
-              <a:endParaRPr sz="2000" dirty="0">
-                <a:solidFill>
-                  <a:srgbClr val="434343"/>
-                </a:solidFill>
-              </a:endParaRPr>
-            </a:p>
-            <a:p>
-              <a:pPr marL="457200" lvl="0" indent="-355600" algn="l" rtl="0">
-                <a:lnSpc>
-                  <a:spcPct val="115000"/>
-                </a:lnSpc>
-                <a:spcBef>
-                  <a:spcPts val="0"/>
-                </a:spcBef>
-                <a:spcAft>
-                  <a:spcPts val="0"/>
-                </a:spcAft>
-                <a:buClr>
-                  <a:srgbClr val="434343"/>
-                </a:buClr>
-                <a:buSzPts val="2000"/>
-                <a:buChar char="●"/>
-              </a:pPr>
-              <a:r>
-                <a:rPr lang="pt-BR" sz="2000" dirty="0">
-                  <a:solidFill>
-                    <a:srgbClr val="434343"/>
-                  </a:solidFill>
-                </a:rPr>
-                <a:t>Introdução</a:t>
-              </a:r>
-              <a:endParaRPr sz="2000" dirty="0">
-                <a:solidFill>
-                  <a:srgbClr val="434343"/>
-                </a:solidFill>
-              </a:endParaRPr>
-            </a:p>
-            <a:p>
-              <a:pPr marL="457200" lvl="0" indent="-355600" algn="l" rtl="0">
-                <a:lnSpc>
-                  <a:spcPct val="115000"/>
-                </a:lnSpc>
-                <a:spcBef>
-                  <a:spcPts val="0"/>
-                </a:spcBef>
-                <a:spcAft>
-                  <a:spcPts val="0"/>
-                </a:spcAft>
-                <a:buClr>
-                  <a:srgbClr val="434343"/>
-                </a:buClr>
-                <a:buSzPts val="2000"/>
-                <a:buChar char="●"/>
-              </a:pPr>
-              <a:r>
-                <a:rPr lang="pt-BR" sz="2000" dirty="0" err="1">
-                  <a:solidFill>
-                    <a:srgbClr val="434343"/>
-                  </a:solidFill>
-                </a:rPr>
-                <a:t>Dataset</a:t>
-              </a:r>
-              <a:endParaRPr sz="2000" dirty="0">
-                <a:solidFill>
-                  <a:srgbClr val="434343"/>
-                </a:solidFill>
-              </a:endParaRPr>
-            </a:p>
-            <a:p>
-              <a:pPr marL="457200" lvl="0" indent="-355600" algn="l" rtl="0">
-                <a:lnSpc>
-                  <a:spcPct val="115000"/>
-                </a:lnSpc>
-                <a:spcBef>
-                  <a:spcPts val="0"/>
-                </a:spcBef>
-                <a:spcAft>
-                  <a:spcPts val="0"/>
-                </a:spcAft>
-                <a:buClr>
-                  <a:srgbClr val="434343"/>
-                </a:buClr>
-                <a:buSzPts val="2000"/>
-                <a:buChar char="●"/>
-              </a:pPr>
-              <a:r>
-                <a:rPr lang="pt-BR" sz="2000" dirty="0">
-                  <a:solidFill>
-                    <a:srgbClr val="434343"/>
-                  </a:solidFill>
-                </a:rPr>
-                <a:t>Modelos</a:t>
-              </a:r>
-              <a:endParaRPr sz="2000" dirty="0">
-                <a:solidFill>
-                  <a:srgbClr val="434343"/>
-                </a:solidFill>
-              </a:endParaRPr>
-            </a:p>
-            <a:p>
-              <a:pPr marL="457200" lvl="0" indent="-355600" algn="l" rtl="0">
-                <a:lnSpc>
-                  <a:spcPct val="115000"/>
-                </a:lnSpc>
-                <a:spcBef>
-                  <a:spcPts val="0"/>
-                </a:spcBef>
-                <a:spcAft>
-                  <a:spcPts val="0"/>
-                </a:spcAft>
-                <a:buClr>
-                  <a:srgbClr val="434343"/>
-                </a:buClr>
-                <a:buSzPts val="2000"/>
-                <a:buChar char="●"/>
-              </a:pPr>
-              <a:r>
-                <a:rPr lang="pt-BR" sz="2000" dirty="0">
-                  <a:solidFill>
-                    <a:srgbClr val="434343"/>
-                  </a:solidFill>
-                </a:rPr>
-                <a:t>Resultados</a:t>
-              </a:r>
-              <a:endParaRPr sz="2000" dirty="0">
-                <a:solidFill>
-                  <a:srgbClr val="434343"/>
-                </a:solidFill>
-              </a:endParaRPr>
-            </a:p>
-            <a:p>
-              <a:pPr marL="457200" lvl="0" indent="-355600" algn="l" rtl="0">
-                <a:lnSpc>
-                  <a:spcPct val="115000"/>
-                </a:lnSpc>
-                <a:spcBef>
-                  <a:spcPts val="0"/>
-                </a:spcBef>
-                <a:spcAft>
-                  <a:spcPts val="0"/>
-                </a:spcAft>
-                <a:buClr>
-                  <a:srgbClr val="434343"/>
-                </a:buClr>
-                <a:buSzPts val="2000"/>
-                <a:buChar char="●"/>
-              </a:pPr>
-              <a:r>
-                <a:rPr lang="pt-BR" sz="2000" dirty="0">
-                  <a:solidFill>
-                    <a:srgbClr val="434343"/>
-                  </a:solidFill>
-                </a:rPr>
-                <a:t>Conclusão</a:t>
-              </a:r>
-              <a:endParaRPr sz="2000" dirty="0">
-                <a:solidFill>
-                  <a:srgbClr val="434343"/>
-                </a:solidFill>
-              </a:endParaRPr>
-            </a:p>
-          </p:txBody>
-        </p:sp>
-      </p:grpSp>
-      <p:pic>
-        <p:nvPicPr>
-          <p:cNvPr id="94" name="Google Shape;94;p14"/>
-          <p:cNvPicPr preferRelativeResize="0"/>
-          <p:nvPr/>
-        </p:nvPicPr>
-        <p:blipFill>
-          <a:blip r:embed="rId3">
-            <a:alphaModFix/>
-          </a:blip>
-          <a:stretch>
-            <a:fillRect/>
-          </a:stretch>
-        </p:blipFill>
-        <p:spPr>
-          <a:xfrm>
-            <a:off x="5000300" y="1238250"/>
-            <a:ext cx="3810000" cy="2667000"/>
-          </a:xfrm>
-          <a:prstGeom prst="rect">
-            <a:avLst/>
-          </a:prstGeom>
-          <a:noFill/>
-          <a:ln>
-            <a:noFill/>
-          </a:ln>
-        </p:spPr>
-      </p:pic>
-    </p:spTree>
-  </p:cSld>
-  <p:clrMapOvr>
-    <a:masterClrMapping/>
-  </p:clrMapOvr>
-</p:sld>
-</file>
-
 <file path=ppt/slides/slide3.xml><?xml version="1.0" encoding="utf-8"?>
 <p:sld xmlns:a="http://schemas.openxmlformats.org/drawingml/2006/main" xmlns:r="http://schemas.openxmlformats.org/officeDocument/2006/relationships" xmlns:p="http://schemas.openxmlformats.org/presentationml/2006/main">
   <p:cSld>
@@ -20798,7 +22042,7 @@
         </p:nvSpPr>
         <p:spPr>
           <a:xfrm>
-            <a:off x="273600" y="861575"/>
+            <a:off x="218182" y="801900"/>
             <a:ext cx="8520600" cy="3339000"/>
           </a:xfrm>
           <a:prstGeom prst="rect">
@@ -20870,13 +22114,13 @@
           <p:nvPr>
             <p:extLst>
               <p:ext uri="{D42A27DB-BD31-4B8C-83A1-F6EECF244321}">
-                <p14:modId xmlns:p14="http://schemas.microsoft.com/office/powerpoint/2010/main" val="2827554181"/>
+                <p14:modId xmlns:p14="http://schemas.microsoft.com/office/powerpoint/2010/main" val="221638787"/>
               </p:ext>
             </p:extLst>
           </p:nvPr>
         </p:nvGraphicFramePr>
         <p:xfrm>
-          <a:off x="376238" y="1309688"/>
+          <a:off x="273600" y="1309688"/>
           <a:ext cx="5699773" cy="3338512"/>
         </p:xfrm>
         <a:graphic>
@@ -23694,6 +24938,36 @@
           </a:graphicData>
         </a:graphic>
       </p:graphicFrame>
+      <p:pic>
+        <p:nvPicPr>
+          <p:cNvPr id="4" name="Imagem 3">
+            <a:extLst>
+              <a:ext uri="{FF2B5EF4-FFF2-40B4-BE49-F238E27FC236}">
+                <a16:creationId xmlns:a16="http://schemas.microsoft.com/office/drawing/2014/main" id="{3805C29D-02DD-11C7-8389-3BEDCA138146}"/>
+              </a:ext>
+            </a:extLst>
+          </p:cNvPr>
+          <p:cNvPicPr>
+            <a:picLocks noChangeAspect="1"/>
+          </p:cNvPicPr>
+          <p:nvPr/>
+        </p:nvPicPr>
+        <p:blipFill>
+          <a:blip r:embed="rId3"/>
+          <a:stretch>
+            <a:fillRect/>
+          </a:stretch>
+        </p:blipFill>
+        <p:spPr>
+          <a:xfrm>
+            <a:off x="6377340" y="1309688"/>
+            <a:ext cx="2361442" cy="2126239"/>
+          </a:xfrm>
+          <a:prstGeom prst="rect">
+            <a:avLst/>
+          </a:prstGeom>
+        </p:spPr>
+      </p:pic>
     </p:spTree>
   </p:cSld>
   <p:clrMapOvr>
@@ -26332,13 +27606,18 @@
             </a:pPr>
             <a:r>
               <a:rPr lang="pt-BR" dirty="0"/>
-              <a:t>Modelos</a:t>
+              <a:t>Análise Macro</a:t>
             </a:r>
             <a:endParaRPr dirty="0"/>
           </a:p>
         </p:txBody>
       </p:sp>
     </p:spTree>
+    <p:extLst>
+      <p:ext uri="{BB962C8B-B14F-4D97-AF65-F5344CB8AC3E}">
+        <p14:creationId xmlns:p14="http://schemas.microsoft.com/office/powerpoint/2010/main" val="1404644817"/>
+      </p:ext>
+    </p:extLst>
   </p:cSld>
   <p:clrMapOvr>
     <a:masterClrMapping/>
